--- a/資料庫語法產生器/資料庫語法產生器.pptx
+++ b/資料庫語法產生器/資料庫語法產生器.pptx
@@ -461,7 +461,7 @@
           <a:p>
             <a:fld id="{4059F7A1-1BA5-453E-8B2D-64C776341D31}" type="datetimeFigureOut">
               <a:rPr lang="zh-TW" altLang="en-US" smtClean="0"/>
-              <a:t>2020/12/23</a:t>
+              <a:t>2020/12/24</a:t>
             </a:fld>
             <a:endParaRPr lang="zh-TW" altLang="en-US"/>
           </a:p>
@@ -785,7 +785,7 @@
           <a:p>
             <a:fld id="{4059F7A1-1BA5-453E-8B2D-64C776341D31}" type="datetimeFigureOut">
               <a:rPr lang="zh-TW" altLang="en-US" smtClean="0"/>
-              <a:t>2020/12/23</a:t>
+              <a:t>2020/12/24</a:t>
             </a:fld>
             <a:endParaRPr lang="zh-TW" altLang="en-US"/>
           </a:p>
@@ -1033,7 +1033,7 @@
           <a:p>
             <a:fld id="{4059F7A1-1BA5-453E-8B2D-64C776341D31}" type="datetimeFigureOut">
               <a:rPr lang="zh-TW" altLang="en-US" smtClean="0"/>
-              <a:t>2020/12/23</a:t>
+              <a:t>2020/12/24</a:t>
             </a:fld>
             <a:endParaRPr lang="zh-TW" altLang="en-US"/>
           </a:p>
@@ -1372,7 +1372,7 @@
           <a:p>
             <a:fld id="{4059F7A1-1BA5-453E-8B2D-64C776341D31}" type="datetimeFigureOut">
               <a:rPr lang="zh-TW" altLang="en-US" smtClean="0"/>
-              <a:t>2020/12/23</a:t>
+              <a:t>2020/12/24</a:t>
             </a:fld>
             <a:endParaRPr lang="zh-TW" altLang="en-US"/>
           </a:p>
@@ -1719,7 +1719,7 @@
           <a:p>
             <a:fld id="{4059F7A1-1BA5-453E-8B2D-64C776341D31}" type="datetimeFigureOut">
               <a:rPr lang="zh-TW" altLang="en-US" smtClean="0"/>
-              <a:t>2020/12/23</a:t>
+              <a:t>2020/12/24</a:t>
             </a:fld>
             <a:endParaRPr lang="zh-TW" altLang="en-US"/>
           </a:p>
@@ -2093,7 +2093,7 @@
           <a:p>
             <a:fld id="{4059F7A1-1BA5-453E-8B2D-64C776341D31}" type="datetimeFigureOut">
               <a:rPr lang="zh-TW" altLang="en-US" smtClean="0"/>
-              <a:t>2020/12/23</a:t>
+              <a:t>2020/12/24</a:t>
             </a:fld>
             <a:endParaRPr lang="zh-TW" altLang="en-US"/>
           </a:p>
@@ -2563,7 +2563,7 @@
           <a:p>
             <a:fld id="{4059F7A1-1BA5-453E-8B2D-64C776341D31}" type="datetimeFigureOut">
               <a:rPr lang="zh-TW" altLang="en-US" smtClean="0"/>
-              <a:t>2020/12/23</a:t>
+              <a:t>2020/12/24</a:t>
             </a:fld>
             <a:endParaRPr lang="zh-TW" altLang="en-US"/>
           </a:p>
@@ -2768,7 +2768,7 @@
           <a:p>
             <a:fld id="{4059F7A1-1BA5-453E-8B2D-64C776341D31}" type="datetimeFigureOut">
               <a:rPr lang="zh-TW" altLang="en-US" smtClean="0"/>
-              <a:t>2020/12/23</a:t>
+              <a:t>2020/12/24</a:t>
             </a:fld>
             <a:endParaRPr lang="zh-TW" altLang="en-US"/>
           </a:p>
@@ -2979,7 +2979,7 @@
           <a:p>
             <a:fld id="{4059F7A1-1BA5-453E-8B2D-64C776341D31}" type="datetimeFigureOut">
               <a:rPr lang="zh-TW" altLang="en-US" smtClean="0"/>
-              <a:t>2020/12/23</a:t>
+              <a:t>2020/12/24</a:t>
             </a:fld>
             <a:endParaRPr lang="zh-TW" altLang="en-US"/>
           </a:p>
@@ -3211,7 +3211,7 @@
           <a:p>
             <a:fld id="{4059F7A1-1BA5-453E-8B2D-64C776341D31}" type="datetimeFigureOut">
               <a:rPr lang="zh-TW" altLang="en-US" smtClean="0"/>
-              <a:t>2020/12/23</a:t>
+              <a:t>2020/12/24</a:t>
             </a:fld>
             <a:endParaRPr lang="zh-TW" altLang="en-US"/>
           </a:p>
@@ -3459,7 +3459,7 @@
           <a:p>
             <a:fld id="{4059F7A1-1BA5-453E-8B2D-64C776341D31}" type="datetimeFigureOut">
               <a:rPr lang="zh-TW" altLang="en-US" smtClean="0"/>
-              <a:t>2020/12/23</a:t>
+              <a:t>2020/12/24</a:t>
             </a:fld>
             <a:endParaRPr lang="zh-TW" altLang="en-US"/>
           </a:p>
@@ -3757,7 +3757,7 @@
           <a:p>
             <a:fld id="{4059F7A1-1BA5-453E-8B2D-64C776341D31}" type="datetimeFigureOut">
               <a:rPr lang="zh-TW" altLang="en-US" smtClean="0"/>
-              <a:t>2020/12/23</a:t>
+              <a:t>2020/12/24</a:t>
             </a:fld>
             <a:endParaRPr lang="zh-TW" altLang="en-US"/>
           </a:p>
@@ -4151,7 +4151,7 @@
           <a:p>
             <a:fld id="{4059F7A1-1BA5-453E-8B2D-64C776341D31}" type="datetimeFigureOut">
               <a:rPr lang="zh-TW" altLang="en-US" smtClean="0"/>
-              <a:t>2020/12/23</a:t>
+              <a:t>2020/12/24</a:t>
             </a:fld>
             <a:endParaRPr lang="zh-TW" altLang="en-US"/>
           </a:p>
@@ -4300,7 +4300,7 @@
           <a:p>
             <a:fld id="{4059F7A1-1BA5-453E-8B2D-64C776341D31}" type="datetimeFigureOut">
               <a:rPr lang="zh-TW" altLang="en-US" smtClean="0"/>
-              <a:t>2020/12/23</a:t>
+              <a:t>2020/12/24</a:t>
             </a:fld>
             <a:endParaRPr lang="zh-TW" altLang="en-US"/>
           </a:p>
@@ -4426,7 +4426,7 @@
           <a:p>
             <a:fld id="{4059F7A1-1BA5-453E-8B2D-64C776341D31}" type="datetimeFigureOut">
               <a:rPr lang="zh-TW" altLang="en-US" smtClean="0"/>
-              <a:t>2020/12/23</a:t>
+              <a:t>2020/12/24</a:t>
             </a:fld>
             <a:endParaRPr lang="zh-TW" altLang="en-US"/>
           </a:p>
@@ -4681,7 +4681,7 @@
           <a:p>
             <a:fld id="{4059F7A1-1BA5-453E-8B2D-64C776341D31}" type="datetimeFigureOut">
               <a:rPr lang="zh-TW" altLang="en-US" smtClean="0"/>
-              <a:t>2020/12/23</a:t>
+              <a:t>2020/12/24</a:t>
             </a:fld>
             <a:endParaRPr lang="zh-TW" altLang="en-US"/>
           </a:p>
@@ -4996,7 +4996,7 @@
           <a:p>
             <a:fld id="{4059F7A1-1BA5-453E-8B2D-64C776341D31}" type="datetimeFigureOut">
               <a:rPr lang="zh-TW" altLang="en-US" smtClean="0"/>
-              <a:t>2020/12/23</a:t>
+              <a:t>2020/12/24</a:t>
             </a:fld>
             <a:endParaRPr lang="zh-TW" altLang="en-US"/>
           </a:p>
@@ -5347,7 +5347,7 @@
           <a:p>
             <a:fld id="{4059F7A1-1BA5-453E-8B2D-64C776341D31}" type="datetimeFigureOut">
               <a:rPr lang="zh-TW" altLang="en-US" smtClean="0"/>
-              <a:t>2020/12/23</a:t>
+              <a:t>2020/12/24</a:t>
             </a:fld>
             <a:endParaRPr lang="zh-TW" altLang="en-US"/>
           </a:p>
@@ -5985,18 +5985,32 @@
           </a:p>
           <a:p>
             <a:r>
-              <a:rPr lang="zh-TW" altLang="zh-TW" dirty="0">
+              <a:rPr lang="zh-TW" altLang="zh-TW">
                 <a:latin typeface="+mj-ea"/>
                 <a:ea typeface="+mj-ea"/>
               </a:rPr>
-              <a:t>資工三</a:t>
+              <a:t>資工</a:t>
+            </a:r>
+            <a:r>
+              <a:rPr lang="zh-TW" altLang="en-US">
+                <a:latin typeface="+mj-ea"/>
+                <a:ea typeface="+mj-ea"/>
+              </a:rPr>
+              <a:t>四</a:t>
+            </a:r>
+            <a:r>
+              <a:rPr lang="en-US" altLang="zh-TW">
+                <a:latin typeface="+mj-ea"/>
+                <a:ea typeface="+mj-ea"/>
+              </a:rPr>
+              <a:t>B  </a:t>
             </a:r>
             <a:r>
               <a:rPr lang="en-US" altLang="zh-TW" dirty="0">
                 <a:latin typeface="+mj-ea"/>
                 <a:ea typeface="+mj-ea"/>
               </a:rPr>
-              <a:t>B  410508339 </a:t>
+              <a:t>410508339 </a:t>
             </a:r>
             <a:r>
               <a:rPr lang="zh-TW" altLang="zh-TW" dirty="0">
